--- a/ppt 16-9/0617.歌唱主爱.pptx
+++ b/ppt 16-9/0617.歌唱主爱.pptx
@@ -129,7 +129,7 @@
           <p:cNvPr id="2" name="标题 1">
             <a:extLst>
               <a:ext uri="{FF2B5EF4-FFF2-40B4-BE49-F238E27FC236}">
-                <a16:creationId xmlns:a16="http://schemas.microsoft.com/office/drawing/2014/main" id="{57D0D958-1F7A-1571-3C52-DD253EB9A2F0}"/>
+                <a16:creationId xmlns:a16="http://schemas.microsoft.com/office/drawing/2014/main" id="{B7165A11-08BE-9641-4FEB-8AF705D992E0}"/>
               </a:ext>
             </a:extLst>
           </p:cNvPr>
@@ -166,7 +166,7 @@
           <p:cNvPr id="3" name="副标题 2">
             <a:extLst>
               <a:ext uri="{FF2B5EF4-FFF2-40B4-BE49-F238E27FC236}">
-                <a16:creationId xmlns:a16="http://schemas.microsoft.com/office/drawing/2014/main" id="{DA84B85F-7E68-DD7F-DC72-394D66DCD5FA}"/>
+                <a16:creationId xmlns:a16="http://schemas.microsoft.com/office/drawing/2014/main" id="{8BE02FEA-CB2A-C6D4-6B90-76C058508116}"/>
               </a:ext>
             </a:extLst>
           </p:cNvPr>
@@ -236,7 +236,7 @@
           <p:cNvPr id="4" name="日期占位符 3">
             <a:extLst>
               <a:ext uri="{FF2B5EF4-FFF2-40B4-BE49-F238E27FC236}">
-                <a16:creationId xmlns:a16="http://schemas.microsoft.com/office/drawing/2014/main" id="{74DAE04A-572C-D810-92FC-123503DE52EF}"/>
+                <a16:creationId xmlns:a16="http://schemas.microsoft.com/office/drawing/2014/main" id="{CD671564-3ED2-1C60-E027-B7BEFFEFE665}"/>
               </a:ext>
             </a:extLst>
           </p:cNvPr>
@@ -252,7 +252,7 @@
           <a:bodyPr/>
           <a:lstStyle/>
           <a:p>
-            <a:fld id="{7C0164BB-2DF0-4AB8-94E2-4D7039C046E9}" type="datetimeFigureOut">
+            <a:fld id="{D5216A85-1F7A-4C57-8BBD-C291E83837CE}" type="datetimeFigureOut">
               <a:rPr lang="zh-CN" altLang="en-US" smtClean="0"/>
               <a:t>2024/3/10</a:t>
             </a:fld>
@@ -265,7 +265,7 @@
           <p:cNvPr id="5" name="页脚占位符 4">
             <a:extLst>
               <a:ext uri="{FF2B5EF4-FFF2-40B4-BE49-F238E27FC236}">
-                <a16:creationId xmlns:a16="http://schemas.microsoft.com/office/drawing/2014/main" id="{DDE81A88-B339-4A06-7831-BAAE4E423EF8}"/>
+                <a16:creationId xmlns:a16="http://schemas.microsoft.com/office/drawing/2014/main" id="{4C3558A0-E008-38A5-0293-846143CAB00E}"/>
               </a:ext>
             </a:extLst>
           </p:cNvPr>
@@ -290,7 +290,7 @@
           <p:cNvPr id="6" name="灯片编号占位符 5">
             <a:extLst>
               <a:ext uri="{FF2B5EF4-FFF2-40B4-BE49-F238E27FC236}">
-                <a16:creationId xmlns:a16="http://schemas.microsoft.com/office/drawing/2014/main" id="{CBD8A70B-AD79-CB23-9E5F-4C9B03789E56}"/>
+                <a16:creationId xmlns:a16="http://schemas.microsoft.com/office/drawing/2014/main" id="{A97695B3-3E35-0ECB-F9A0-0E49C54A076F}"/>
               </a:ext>
             </a:extLst>
           </p:cNvPr>
@@ -306,7 +306,7 @@
           <a:bodyPr/>
           <a:lstStyle/>
           <a:p>
-            <a:fld id="{4E3222C0-E39E-4E74-B1A0-2260F30CAB5F}" type="slidenum">
+            <a:fld id="{C39DE58F-1249-47FB-BF28-E10BB5EDA1B0}" type="slidenum">
               <a:rPr lang="zh-CN" altLang="en-US" smtClean="0"/>
               <a:t>‹#›</a:t>
             </a:fld>
@@ -317,7 +317,7 @@
     </p:spTree>
     <p:extLst>
       <p:ext uri="{BB962C8B-B14F-4D97-AF65-F5344CB8AC3E}">
-        <p14:creationId xmlns:p14="http://schemas.microsoft.com/office/powerpoint/2010/main" val="2739238514"/>
+        <p14:creationId xmlns:p14="http://schemas.microsoft.com/office/powerpoint/2010/main" val="3584766462"/>
       </p:ext>
     </p:extLst>
   </p:cSld>
@@ -349,7 +349,7 @@
           <p:cNvPr id="2" name="标题 1">
             <a:extLst>
               <a:ext uri="{FF2B5EF4-FFF2-40B4-BE49-F238E27FC236}">
-                <a16:creationId xmlns:a16="http://schemas.microsoft.com/office/drawing/2014/main" id="{BF87AE6D-B379-9080-C908-00BEC999A430}"/>
+                <a16:creationId xmlns:a16="http://schemas.microsoft.com/office/drawing/2014/main" id="{E68326ED-B2DB-70E7-BE1D-B79B2A9FC7C3}"/>
               </a:ext>
             </a:extLst>
           </p:cNvPr>
@@ -377,7 +377,7 @@
           <p:cNvPr id="3" name="竖排文字占位符 2">
             <a:extLst>
               <a:ext uri="{FF2B5EF4-FFF2-40B4-BE49-F238E27FC236}">
-                <a16:creationId xmlns:a16="http://schemas.microsoft.com/office/drawing/2014/main" id="{92D655F6-67E2-63F0-D7AF-90A9A20CC76C}"/>
+                <a16:creationId xmlns:a16="http://schemas.microsoft.com/office/drawing/2014/main" id="{48CDB7E9-18D4-7F6B-5D38-E7BD65691C5E}"/>
               </a:ext>
             </a:extLst>
           </p:cNvPr>
@@ -434,7 +434,7 @@
           <p:cNvPr id="4" name="日期占位符 3">
             <a:extLst>
               <a:ext uri="{FF2B5EF4-FFF2-40B4-BE49-F238E27FC236}">
-                <a16:creationId xmlns:a16="http://schemas.microsoft.com/office/drawing/2014/main" id="{23ED5927-7478-B725-FB0A-9A3596159DBD}"/>
+                <a16:creationId xmlns:a16="http://schemas.microsoft.com/office/drawing/2014/main" id="{A5AC8F2E-7716-C273-879B-B7B025AC8B49}"/>
               </a:ext>
             </a:extLst>
           </p:cNvPr>
@@ -450,7 +450,7 @@
           <a:bodyPr/>
           <a:lstStyle/>
           <a:p>
-            <a:fld id="{7C0164BB-2DF0-4AB8-94E2-4D7039C046E9}" type="datetimeFigureOut">
+            <a:fld id="{D5216A85-1F7A-4C57-8BBD-C291E83837CE}" type="datetimeFigureOut">
               <a:rPr lang="zh-CN" altLang="en-US" smtClean="0"/>
               <a:t>2024/3/10</a:t>
             </a:fld>
@@ -463,7 +463,7 @@
           <p:cNvPr id="5" name="页脚占位符 4">
             <a:extLst>
               <a:ext uri="{FF2B5EF4-FFF2-40B4-BE49-F238E27FC236}">
-                <a16:creationId xmlns:a16="http://schemas.microsoft.com/office/drawing/2014/main" id="{1B20BEEB-9A8B-433B-8EA8-B174F5B5B396}"/>
+                <a16:creationId xmlns:a16="http://schemas.microsoft.com/office/drawing/2014/main" id="{1ED74EF0-DA95-5BFD-B360-BB7AFBD57959}"/>
               </a:ext>
             </a:extLst>
           </p:cNvPr>
@@ -488,7 +488,7 @@
           <p:cNvPr id="6" name="灯片编号占位符 5">
             <a:extLst>
               <a:ext uri="{FF2B5EF4-FFF2-40B4-BE49-F238E27FC236}">
-                <a16:creationId xmlns:a16="http://schemas.microsoft.com/office/drawing/2014/main" id="{B9E46E71-4181-90A1-9052-38DCC7A91DB9}"/>
+                <a16:creationId xmlns:a16="http://schemas.microsoft.com/office/drawing/2014/main" id="{91C71B02-B4E4-4AF5-4B30-70C1EB660620}"/>
               </a:ext>
             </a:extLst>
           </p:cNvPr>
@@ -504,7 +504,7 @@
           <a:bodyPr/>
           <a:lstStyle/>
           <a:p>
-            <a:fld id="{4E3222C0-E39E-4E74-B1A0-2260F30CAB5F}" type="slidenum">
+            <a:fld id="{C39DE58F-1249-47FB-BF28-E10BB5EDA1B0}" type="slidenum">
               <a:rPr lang="zh-CN" altLang="en-US" smtClean="0"/>
               <a:t>‹#›</a:t>
             </a:fld>
@@ -515,7 +515,7 @@
     </p:spTree>
     <p:extLst>
       <p:ext uri="{BB962C8B-B14F-4D97-AF65-F5344CB8AC3E}">
-        <p14:creationId xmlns:p14="http://schemas.microsoft.com/office/powerpoint/2010/main" val="3890408181"/>
+        <p14:creationId xmlns:p14="http://schemas.microsoft.com/office/powerpoint/2010/main" val="3285670614"/>
       </p:ext>
     </p:extLst>
   </p:cSld>
@@ -547,7 +547,7 @@
           <p:cNvPr id="2" name="竖排标题 1">
             <a:extLst>
               <a:ext uri="{FF2B5EF4-FFF2-40B4-BE49-F238E27FC236}">
-                <a16:creationId xmlns:a16="http://schemas.microsoft.com/office/drawing/2014/main" id="{848BE120-F90D-8BD7-00E0-C2CFA023199A}"/>
+                <a16:creationId xmlns:a16="http://schemas.microsoft.com/office/drawing/2014/main" id="{6B652F85-98EC-6EF7-044C-4FB269744664}"/>
               </a:ext>
             </a:extLst>
           </p:cNvPr>
@@ -580,7 +580,7 @@
           <p:cNvPr id="3" name="竖排文字占位符 2">
             <a:extLst>
               <a:ext uri="{FF2B5EF4-FFF2-40B4-BE49-F238E27FC236}">
-                <a16:creationId xmlns:a16="http://schemas.microsoft.com/office/drawing/2014/main" id="{30DA4C52-056E-603E-5CB5-F7EB4369C4BF}"/>
+                <a16:creationId xmlns:a16="http://schemas.microsoft.com/office/drawing/2014/main" id="{6B68744D-1B5A-4E68-9371-527E20158FA9}"/>
               </a:ext>
             </a:extLst>
           </p:cNvPr>
@@ -642,7 +642,7 @@
           <p:cNvPr id="4" name="日期占位符 3">
             <a:extLst>
               <a:ext uri="{FF2B5EF4-FFF2-40B4-BE49-F238E27FC236}">
-                <a16:creationId xmlns:a16="http://schemas.microsoft.com/office/drawing/2014/main" id="{D901BBF7-04E3-EDD8-E2ED-2DB503B019AF}"/>
+                <a16:creationId xmlns:a16="http://schemas.microsoft.com/office/drawing/2014/main" id="{ABFBC7B3-EB4F-2C07-7A0B-C212DC6A64C8}"/>
               </a:ext>
             </a:extLst>
           </p:cNvPr>
@@ -658,7 +658,7 @@
           <a:bodyPr/>
           <a:lstStyle/>
           <a:p>
-            <a:fld id="{7C0164BB-2DF0-4AB8-94E2-4D7039C046E9}" type="datetimeFigureOut">
+            <a:fld id="{D5216A85-1F7A-4C57-8BBD-C291E83837CE}" type="datetimeFigureOut">
               <a:rPr lang="zh-CN" altLang="en-US" smtClean="0"/>
               <a:t>2024/3/10</a:t>
             </a:fld>
@@ -671,7 +671,7 @@
           <p:cNvPr id="5" name="页脚占位符 4">
             <a:extLst>
               <a:ext uri="{FF2B5EF4-FFF2-40B4-BE49-F238E27FC236}">
-                <a16:creationId xmlns:a16="http://schemas.microsoft.com/office/drawing/2014/main" id="{86B1308A-5FEA-D999-8879-55986707D3D8}"/>
+                <a16:creationId xmlns:a16="http://schemas.microsoft.com/office/drawing/2014/main" id="{F98EF1B8-0C64-395D-F2B3-7D2EA4419930}"/>
               </a:ext>
             </a:extLst>
           </p:cNvPr>
@@ -696,7 +696,7 @@
           <p:cNvPr id="6" name="灯片编号占位符 5">
             <a:extLst>
               <a:ext uri="{FF2B5EF4-FFF2-40B4-BE49-F238E27FC236}">
-                <a16:creationId xmlns:a16="http://schemas.microsoft.com/office/drawing/2014/main" id="{32962185-B6BD-BC26-20B4-C0A9516CEC5E}"/>
+                <a16:creationId xmlns:a16="http://schemas.microsoft.com/office/drawing/2014/main" id="{7853708F-22E5-D454-32FE-5E5F5D04AD81}"/>
               </a:ext>
             </a:extLst>
           </p:cNvPr>
@@ -712,7 +712,7 @@
           <a:bodyPr/>
           <a:lstStyle/>
           <a:p>
-            <a:fld id="{4E3222C0-E39E-4E74-B1A0-2260F30CAB5F}" type="slidenum">
+            <a:fld id="{C39DE58F-1249-47FB-BF28-E10BB5EDA1B0}" type="slidenum">
               <a:rPr lang="zh-CN" altLang="en-US" smtClean="0"/>
               <a:t>‹#›</a:t>
             </a:fld>
@@ -723,7 +723,7 @@
     </p:spTree>
     <p:extLst>
       <p:ext uri="{BB962C8B-B14F-4D97-AF65-F5344CB8AC3E}">
-        <p14:creationId xmlns:p14="http://schemas.microsoft.com/office/powerpoint/2010/main" val="1740119855"/>
+        <p14:creationId xmlns:p14="http://schemas.microsoft.com/office/powerpoint/2010/main" val="3332772938"/>
       </p:ext>
     </p:extLst>
   </p:cSld>
@@ -755,7 +755,7 @@
           <p:cNvPr id="2" name="标题 1">
             <a:extLst>
               <a:ext uri="{FF2B5EF4-FFF2-40B4-BE49-F238E27FC236}">
-                <a16:creationId xmlns:a16="http://schemas.microsoft.com/office/drawing/2014/main" id="{7FEDE731-006C-79A3-FD2D-B009BB39CB29}"/>
+                <a16:creationId xmlns:a16="http://schemas.microsoft.com/office/drawing/2014/main" id="{707D9532-2BA6-8E77-B46A-4B4179BAD956}"/>
               </a:ext>
             </a:extLst>
           </p:cNvPr>
@@ -783,7 +783,7 @@
           <p:cNvPr id="3" name="内容占位符 2">
             <a:extLst>
               <a:ext uri="{FF2B5EF4-FFF2-40B4-BE49-F238E27FC236}">
-                <a16:creationId xmlns:a16="http://schemas.microsoft.com/office/drawing/2014/main" id="{EBBB4731-AF0A-7096-A193-A652580CFA78}"/>
+                <a16:creationId xmlns:a16="http://schemas.microsoft.com/office/drawing/2014/main" id="{260A3068-939F-959D-C6D1-BA00269C7FAE}"/>
               </a:ext>
             </a:extLst>
           </p:cNvPr>
@@ -840,7 +840,7 @@
           <p:cNvPr id="4" name="日期占位符 3">
             <a:extLst>
               <a:ext uri="{FF2B5EF4-FFF2-40B4-BE49-F238E27FC236}">
-                <a16:creationId xmlns:a16="http://schemas.microsoft.com/office/drawing/2014/main" id="{B03CBD41-BC98-66D5-37E9-005D2E0BDDA9}"/>
+                <a16:creationId xmlns:a16="http://schemas.microsoft.com/office/drawing/2014/main" id="{CD1C04D1-9475-4514-23F1-EB890894A14A}"/>
               </a:ext>
             </a:extLst>
           </p:cNvPr>
@@ -856,7 +856,7 @@
           <a:bodyPr/>
           <a:lstStyle/>
           <a:p>
-            <a:fld id="{7C0164BB-2DF0-4AB8-94E2-4D7039C046E9}" type="datetimeFigureOut">
+            <a:fld id="{D5216A85-1F7A-4C57-8BBD-C291E83837CE}" type="datetimeFigureOut">
               <a:rPr lang="zh-CN" altLang="en-US" smtClean="0"/>
               <a:t>2024/3/10</a:t>
             </a:fld>
@@ -869,7 +869,7 @@
           <p:cNvPr id="5" name="页脚占位符 4">
             <a:extLst>
               <a:ext uri="{FF2B5EF4-FFF2-40B4-BE49-F238E27FC236}">
-                <a16:creationId xmlns:a16="http://schemas.microsoft.com/office/drawing/2014/main" id="{A45BCD18-CC06-8811-2D1E-BEF680D2E119}"/>
+                <a16:creationId xmlns:a16="http://schemas.microsoft.com/office/drawing/2014/main" id="{B606A6B8-CB73-3671-0CAF-5F4B4FA53CD2}"/>
               </a:ext>
             </a:extLst>
           </p:cNvPr>
@@ -894,7 +894,7 @@
           <p:cNvPr id="6" name="灯片编号占位符 5">
             <a:extLst>
               <a:ext uri="{FF2B5EF4-FFF2-40B4-BE49-F238E27FC236}">
-                <a16:creationId xmlns:a16="http://schemas.microsoft.com/office/drawing/2014/main" id="{1251BF4E-EA01-E741-47B3-5A47270840B3}"/>
+                <a16:creationId xmlns:a16="http://schemas.microsoft.com/office/drawing/2014/main" id="{A4C8338E-08CF-4329-0BE7-1D2C778EC126}"/>
               </a:ext>
             </a:extLst>
           </p:cNvPr>
@@ -910,7 +910,7 @@
           <a:bodyPr/>
           <a:lstStyle/>
           <a:p>
-            <a:fld id="{4E3222C0-E39E-4E74-B1A0-2260F30CAB5F}" type="slidenum">
+            <a:fld id="{C39DE58F-1249-47FB-BF28-E10BB5EDA1B0}" type="slidenum">
               <a:rPr lang="zh-CN" altLang="en-US" smtClean="0"/>
               <a:t>‹#›</a:t>
             </a:fld>
@@ -921,7 +921,7 @@
     </p:spTree>
     <p:extLst>
       <p:ext uri="{BB962C8B-B14F-4D97-AF65-F5344CB8AC3E}">
-        <p14:creationId xmlns:p14="http://schemas.microsoft.com/office/powerpoint/2010/main" val="828966487"/>
+        <p14:creationId xmlns:p14="http://schemas.microsoft.com/office/powerpoint/2010/main" val="2635275374"/>
       </p:ext>
     </p:extLst>
   </p:cSld>
@@ -953,7 +953,7 @@
           <p:cNvPr id="2" name="标题 1">
             <a:extLst>
               <a:ext uri="{FF2B5EF4-FFF2-40B4-BE49-F238E27FC236}">
-                <a16:creationId xmlns:a16="http://schemas.microsoft.com/office/drawing/2014/main" id="{5B059CEA-04E6-BC51-4634-6EA57A8C8064}"/>
+                <a16:creationId xmlns:a16="http://schemas.microsoft.com/office/drawing/2014/main" id="{634E6C03-B543-E160-EFC0-4F64EE0D4059}"/>
               </a:ext>
             </a:extLst>
           </p:cNvPr>
@@ -990,7 +990,7 @@
           <p:cNvPr id="3" name="文本占位符 2">
             <a:extLst>
               <a:ext uri="{FF2B5EF4-FFF2-40B4-BE49-F238E27FC236}">
-                <a16:creationId xmlns:a16="http://schemas.microsoft.com/office/drawing/2014/main" id="{563636BA-BE7D-CD43-90ED-247FA2BB88CA}"/>
+                <a16:creationId xmlns:a16="http://schemas.microsoft.com/office/drawing/2014/main" id="{8B4A6A40-74FC-EC3F-DE8C-46B4E9522750}"/>
               </a:ext>
             </a:extLst>
           </p:cNvPr>
@@ -1115,7 +1115,7 @@
           <p:cNvPr id="4" name="日期占位符 3">
             <a:extLst>
               <a:ext uri="{FF2B5EF4-FFF2-40B4-BE49-F238E27FC236}">
-                <a16:creationId xmlns:a16="http://schemas.microsoft.com/office/drawing/2014/main" id="{C842BF65-6A43-97DC-D598-F77A6C83B952}"/>
+                <a16:creationId xmlns:a16="http://schemas.microsoft.com/office/drawing/2014/main" id="{853734A1-84B5-59FD-D3CD-199894986D23}"/>
               </a:ext>
             </a:extLst>
           </p:cNvPr>
@@ -1131,7 +1131,7 @@
           <a:bodyPr/>
           <a:lstStyle/>
           <a:p>
-            <a:fld id="{7C0164BB-2DF0-4AB8-94E2-4D7039C046E9}" type="datetimeFigureOut">
+            <a:fld id="{D5216A85-1F7A-4C57-8BBD-C291E83837CE}" type="datetimeFigureOut">
               <a:rPr lang="zh-CN" altLang="en-US" smtClean="0"/>
               <a:t>2024/3/10</a:t>
             </a:fld>
@@ -1144,7 +1144,7 @@
           <p:cNvPr id="5" name="页脚占位符 4">
             <a:extLst>
               <a:ext uri="{FF2B5EF4-FFF2-40B4-BE49-F238E27FC236}">
-                <a16:creationId xmlns:a16="http://schemas.microsoft.com/office/drawing/2014/main" id="{F3358396-469C-5D8A-EEFF-C0EA13252078}"/>
+                <a16:creationId xmlns:a16="http://schemas.microsoft.com/office/drawing/2014/main" id="{C8B5883C-26AD-695F-0118-F94CE812F9EC}"/>
               </a:ext>
             </a:extLst>
           </p:cNvPr>
@@ -1169,7 +1169,7 @@
           <p:cNvPr id="6" name="灯片编号占位符 5">
             <a:extLst>
               <a:ext uri="{FF2B5EF4-FFF2-40B4-BE49-F238E27FC236}">
-                <a16:creationId xmlns:a16="http://schemas.microsoft.com/office/drawing/2014/main" id="{180497AB-85F2-8ECA-7BF8-5644BE053DEA}"/>
+                <a16:creationId xmlns:a16="http://schemas.microsoft.com/office/drawing/2014/main" id="{79D8D054-ED91-B8FD-EAD7-B5DBDF97C3DC}"/>
               </a:ext>
             </a:extLst>
           </p:cNvPr>
@@ -1185,7 +1185,7 @@
           <a:bodyPr/>
           <a:lstStyle/>
           <a:p>
-            <a:fld id="{4E3222C0-E39E-4E74-B1A0-2260F30CAB5F}" type="slidenum">
+            <a:fld id="{C39DE58F-1249-47FB-BF28-E10BB5EDA1B0}" type="slidenum">
               <a:rPr lang="zh-CN" altLang="en-US" smtClean="0"/>
               <a:t>‹#›</a:t>
             </a:fld>
@@ -1196,7 +1196,7 @@
     </p:spTree>
     <p:extLst>
       <p:ext uri="{BB962C8B-B14F-4D97-AF65-F5344CB8AC3E}">
-        <p14:creationId xmlns:p14="http://schemas.microsoft.com/office/powerpoint/2010/main" val="967772128"/>
+        <p14:creationId xmlns:p14="http://schemas.microsoft.com/office/powerpoint/2010/main" val="2403529748"/>
       </p:ext>
     </p:extLst>
   </p:cSld>
@@ -1228,7 +1228,7 @@
           <p:cNvPr id="2" name="标题 1">
             <a:extLst>
               <a:ext uri="{FF2B5EF4-FFF2-40B4-BE49-F238E27FC236}">
-                <a16:creationId xmlns:a16="http://schemas.microsoft.com/office/drawing/2014/main" id="{D04C0144-5668-8360-FD23-2275CEE2EC6D}"/>
+                <a16:creationId xmlns:a16="http://schemas.microsoft.com/office/drawing/2014/main" id="{DA2DD65D-2874-6B86-C805-83572A03FE93}"/>
               </a:ext>
             </a:extLst>
           </p:cNvPr>
@@ -1256,7 +1256,7 @@
           <p:cNvPr id="3" name="内容占位符 2">
             <a:extLst>
               <a:ext uri="{FF2B5EF4-FFF2-40B4-BE49-F238E27FC236}">
-                <a16:creationId xmlns:a16="http://schemas.microsoft.com/office/drawing/2014/main" id="{C7BBB9B6-EFF0-B682-037D-FE74E39F9BB1}"/>
+                <a16:creationId xmlns:a16="http://schemas.microsoft.com/office/drawing/2014/main" id="{8F0EF526-466C-5D36-B59F-AB002CB4D8DE}"/>
               </a:ext>
             </a:extLst>
           </p:cNvPr>
@@ -1318,7 +1318,7 @@
           <p:cNvPr id="4" name="内容占位符 3">
             <a:extLst>
               <a:ext uri="{FF2B5EF4-FFF2-40B4-BE49-F238E27FC236}">
-                <a16:creationId xmlns:a16="http://schemas.microsoft.com/office/drawing/2014/main" id="{352AC5E0-CBC8-6F15-EC82-33B59B1A4912}"/>
+                <a16:creationId xmlns:a16="http://schemas.microsoft.com/office/drawing/2014/main" id="{D12F9428-CF29-23A8-8CFA-C060305B08BD}"/>
               </a:ext>
             </a:extLst>
           </p:cNvPr>
@@ -1380,7 +1380,7 @@
           <p:cNvPr id="5" name="日期占位符 4">
             <a:extLst>
               <a:ext uri="{FF2B5EF4-FFF2-40B4-BE49-F238E27FC236}">
-                <a16:creationId xmlns:a16="http://schemas.microsoft.com/office/drawing/2014/main" id="{318A281B-07DF-FFFA-A8E2-3D0345BB72DF}"/>
+                <a16:creationId xmlns:a16="http://schemas.microsoft.com/office/drawing/2014/main" id="{5F441CC5-A5F0-16AA-7AB8-7FD3749C4B37}"/>
               </a:ext>
             </a:extLst>
           </p:cNvPr>
@@ -1396,7 +1396,7 @@
           <a:bodyPr/>
           <a:lstStyle/>
           <a:p>
-            <a:fld id="{7C0164BB-2DF0-4AB8-94E2-4D7039C046E9}" type="datetimeFigureOut">
+            <a:fld id="{D5216A85-1F7A-4C57-8BBD-C291E83837CE}" type="datetimeFigureOut">
               <a:rPr lang="zh-CN" altLang="en-US" smtClean="0"/>
               <a:t>2024/3/10</a:t>
             </a:fld>
@@ -1409,7 +1409,7 @@
           <p:cNvPr id="6" name="页脚占位符 5">
             <a:extLst>
               <a:ext uri="{FF2B5EF4-FFF2-40B4-BE49-F238E27FC236}">
-                <a16:creationId xmlns:a16="http://schemas.microsoft.com/office/drawing/2014/main" id="{B98E2B19-F1A7-9B11-17DA-9828925997A0}"/>
+                <a16:creationId xmlns:a16="http://schemas.microsoft.com/office/drawing/2014/main" id="{B22E06A9-D0AB-9851-1FEB-88241FDEEDC6}"/>
               </a:ext>
             </a:extLst>
           </p:cNvPr>
@@ -1434,7 +1434,7 @@
           <p:cNvPr id="7" name="灯片编号占位符 6">
             <a:extLst>
               <a:ext uri="{FF2B5EF4-FFF2-40B4-BE49-F238E27FC236}">
-                <a16:creationId xmlns:a16="http://schemas.microsoft.com/office/drawing/2014/main" id="{2034C6FB-7C87-0098-2A7C-5DAEEB6F6FAD}"/>
+                <a16:creationId xmlns:a16="http://schemas.microsoft.com/office/drawing/2014/main" id="{8FDC52FE-5042-1EAD-DD04-AB15E2532578}"/>
               </a:ext>
             </a:extLst>
           </p:cNvPr>
@@ -1450,7 +1450,7 @@
           <a:bodyPr/>
           <a:lstStyle/>
           <a:p>
-            <a:fld id="{4E3222C0-E39E-4E74-B1A0-2260F30CAB5F}" type="slidenum">
+            <a:fld id="{C39DE58F-1249-47FB-BF28-E10BB5EDA1B0}" type="slidenum">
               <a:rPr lang="zh-CN" altLang="en-US" smtClean="0"/>
               <a:t>‹#›</a:t>
             </a:fld>
@@ -1461,7 +1461,7 @@
     </p:spTree>
     <p:extLst>
       <p:ext uri="{BB962C8B-B14F-4D97-AF65-F5344CB8AC3E}">
-        <p14:creationId xmlns:p14="http://schemas.microsoft.com/office/powerpoint/2010/main" val="1878529783"/>
+        <p14:creationId xmlns:p14="http://schemas.microsoft.com/office/powerpoint/2010/main" val="417080372"/>
       </p:ext>
     </p:extLst>
   </p:cSld>
@@ -1493,7 +1493,7 @@
           <p:cNvPr id="2" name="标题 1">
             <a:extLst>
               <a:ext uri="{FF2B5EF4-FFF2-40B4-BE49-F238E27FC236}">
-                <a16:creationId xmlns:a16="http://schemas.microsoft.com/office/drawing/2014/main" id="{1CF63B72-E40E-2CAF-E212-1184C13D3B4D}"/>
+                <a16:creationId xmlns:a16="http://schemas.microsoft.com/office/drawing/2014/main" id="{39751A68-4DCD-CF69-778D-3256A13133CD}"/>
               </a:ext>
             </a:extLst>
           </p:cNvPr>
@@ -1526,7 +1526,7 @@
           <p:cNvPr id="3" name="文本占位符 2">
             <a:extLst>
               <a:ext uri="{FF2B5EF4-FFF2-40B4-BE49-F238E27FC236}">
-                <a16:creationId xmlns:a16="http://schemas.microsoft.com/office/drawing/2014/main" id="{37BE76F8-2230-61BF-1149-4075D71285C8}"/>
+                <a16:creationId xmlns:a16="http://schemas.microsoft.com/office/drawing/2014/main" id="{7795F172-90F2-4D9D-D44C-F5F8BA0C546D}"/>
               </a:ext>
             </a:extLst>
           </p:cNvPr>
@@ -1597,7 +1597,7 @@
           <p:cNvPr id="4" name="内容占位符 3">
             <a:extLst>
               <a:ext uri="{FF2B5EF4-FFF2-40B4-BE49-F238E27FC236}">
-                <a16:creationId xmlns:a16="http://schemas.microsoft.com/office/drawing/2014/main" id="{BEF404C0-A397-CCAA-8421-7B40AAB6DB19}"/>
+                <a16:creationId xmlns:a16="http://schemas.microsoft.com/office/drawing/2014/main" id="{7C117E21-77B9-334F-8763-513983A9A166}"/>
               </a:ext>
             </a:extLst>
           </p:cNvPr>
@@ -1659,7 +1659,7 @@
           <p:cNvPr id="5" name="文本占位符 4">
             <a:extLst>
               <a:ext uri="{FF2B5EF4-FFF2-40B4-BE49-F238E27FC236}">
-                <a16:creationId xmlns:a16="http://schemas.microsoft.com/office/drawing/2014/main" id="{3D8DC1A3-2C26-8B94-C19A-02BD22142455}"/>
+                <a16:creationId xmlns:a16="http://schemas.microsoft.com/office/drawing/2014/main" id="{2B1B2414-6705-2DDA-9EAA-CFC8A5E090B7}"/>
               </a:ext>
             </a:extLst>
           </p:cNvPr>
@@ -1730,7 +1730,7 @@
           <p:cNvPr id="6" name="内容占位符 5">
             <a:extLst>
               <a:ext uri="{FF2B5EF4-FFF2-40B4-BE49-F238E27FC236}">
-                <a16:creationId xmlns:a16="http://schemas.microsoft.com/office/drawing/2014/main" id="{EF4A823B-046C-68DE-A2BE-3AE8CE50C5F4}"/>
+                <a16:creationId xmlns:a16="http://schemas.microsoft.com/office/drawing/2014/main" id="{9C623C69-48A2-45BA-55BB-EAB35FEB05C9}"/>
               </a:ext>
             </a:extLst>
           </p:cNvPr>
@@ -1792,7 +1792,7 @@
           <p:cNvPr id="7" name="日期占位符 6">
             <a:extLst>
               <a:ext uri="{FF2B5EF4-FFF2-40B4-BE49-F238E27FC236}">
-                <a16:creationId xmlns:a16="http://schemas.microsoft.com/office/drawing/2014/main" id="{45B54C34-FDD3-290C-C5BA-7ADE2181F8DA}"/>
+                <a16:creationId xmlns:a16="http://schemas.microsoft.com/office/drawing/2014/main" id="{FCF28A9A-6406-42B1-368C-5100749C8C04}"/>
               </a:ext>
             </a:extLst>
           </p:cNvPr>
@@ -1808,7 +1808,7 @@
           <a:bodyPr/>
           <a:lstStyle/>
           <a:p>
-            <a:fld id="{7C0164BB-2DF0-4AB8-94E2-4D7039C046E9}" type="datetimeFigureOut">
+            <a:fld id="{D5216A85-1F7A-4C57-8BBD-C291E83837CE}" type="datetimeFigureOut">
               <a:rPr lang="zh-CN" altLang="en-US" smtClean="0"/>
               <a:t>2024/3/10</a:t>
             </a:fld>
@@ -1821,7 +1821,7 @@
           <p:cNvPr id="8" name="页脚占位符 7">
             <a:extLst>
               <a:ext uri="{FF2B5EF4-FFF2-40B4-BE49-F238E27FC236}">
-                <a16:creationId xmlns:a16="http://schemas.microsoft.com/office/drawing/2014/main" id="{3DA0B9AA-5496-7C51-181D-CC920F315D10}"/>
+                <a16:creationId xmlns:a16="http://schemas.microsoft.com/office/drawing/2014/main" id="{BBE001C9-E5AC-B124-B13E-80F9359950EF}"/>
               </a:ext>
             </a:extLst>
           </p:cNvPr>
@@ -1846,7 +1846,7 @@
           <p:cNvPr id="9" name="灯片编号占位符 8">
             <a:extLst>
               <a:ext uri="{FF2B5EF4-FFF2-40B4-BE49-F238E27FC236}">
-                <a16:creationId xmlns:a16="http://schemas.microsoft.com/office/drawing/2014/main" id="{D90E5E0A-404B-79B7-E864-BC8A8F8A495D}"/>
+                <a16:creationId xmlns:a16="http://schemas.microsoft.com/office/drawing/2014/main" id="{4DC072B0-9D68-5687-662B-81EA1A5070B9}"/>
               </a:ext>
             </a:extLst>
           </p:cNvPr>
@@ -1862,7 +1862,7 @@
           <a:bodyPr/>
           <a:lstStyle/>
           <a:p>
-            <a:fld id="{4E3222C0-E39E-4E74-B1A0-2260F30CAB5F}" type="slidenum">
+            <a:fld id="{C39DE58F-1249-47FB-BF28-E10BB5EDA1B0}" type="slidenum">
               <a:rPr lang="zh-CN" altLang="en-US" smtClean="0"/>
               <a:t>‹#›</a:t>
             </a:fld>
@@ -1873,7 +1873,7 @@
     </p:spTree>
     <p:extLst>
       <p:ext uri="{BB962C8B-B14F-4D97-AF65-F5344CB8AC3E}">
-        <p14:creationId xmlns:p14="http://schemas.microsoft.com/office/powerpoint/2010/main" val="1302836277"/>
+        <p14:creationId xmlns:p14="http://schemas.microsoft.com/office/powerpoint/2010/main" val="2990531044"/>
       </p:ext>
     </p:extLst>
   </p:cSld>
@@ -1905,7 +1905,7 @@
           <p:cNvPr id="2" name="标题 1">
             <a:extLst>
               <a:ext uri="{FF2B5EF4-FFF2-40B4-BE49-F238E27FC236}">
-                <a16:creationId xmlns:a16="http://schemas.microsoft.com/office/drawing/2014/main" id="{54348A72-8653-0C42-1454-6DBE242BAC7A}"/>
+                <a16:creationId xmlns:a16="http://schemas.microsoft.com/office/drawing/2014/main" id="{737458DB-85E1-D2EA-9874-ECA4E3A88D57}"/>
               </a:ext>
             </a:extLst>
           </p:cNvPr>
@@ -1933,7 +1933,7 @@
           <p:cNvPr id="3" name="日期占位符 2">
             <a:extLst>
               <a:ext uri="{FF2B5EF4-FFF2-40B4-BE49-F238E27FC236}">
-                <a16:creationId xmlns:a16="http://schemas.microsoft.com/office/drawing/2014/main" id="{268BAF03-6615-871A-5D19-7122651C5EF6}"/>
+                <a16:creationId xmlns:a16="http://schemas.microsoft.com/office/drawing/2014/main" id="{95FCC2FD-B429-B36C-6249-E557F1DD2A0A}"/>
               </a:ext>
             </a:extLst>
           </p:cNvPr>
@@ -1949,7 +1949,7 @@
           <a:bodyPr/>
           <a:lstStyle/>
           <a:p>
-            <a:fld id="{7C0164BB-2DF0-4AB8-94E2-4D7039C046E9}" type="datetimeFigureOut">
+            <a:fld id="{D5216A85-1F7A-4C57-8BBD-C291E83837CE}" type="datetimeFigureOut">
               <a:rPr lang="zh-CN" altLang="en-US" smtClean="0"/>
               <a:t>2024/3/10</a:t>
             </a:fld>
@@ -1962,7 +1962,7 @@
           <p:cNvPr id="4" name="页脚占位符 3">
             <a:extLst>
               <a:ext uri="{FF2B5EF4-FFF2-40B4-BE49-F238E27FC236}">
-                <a16:creationId xmlns:a16="http://schemas.microsoft.com/office/drawing/2014/main" id="{CB1C3537-4E81-1EB7-AF85-C70C4E6328F8}"/>
+                <a16:creationId xmlns:a16="http://schemas.microsoft.com/office/drawing/2014/main" id="{839AC947-221B-4385-EAA8-6F3D7DDF3E8F}"/>
               </a:ext>
             </a:extLst>
           </p:cNvPr>
@@ -1987,7 +1987,7 @@
           <p:cNvPr id="5" name="灯片编号占位符 4">
             <a:extLst>
               <a:ext uri="{FF2B5EF4-FFF2-40B4-BE49-F238E27FC236}">
-                <a16:creationId xmlns:a16="http://schemas.microsoft.com/office/drawing/2014/main" id="{44B6E17A-2521-48C4-9823-94A24637215E}"/>
+                <a16:creationId xmlns:a16="http://schemas.microsoft.com/office/drawing/2014/main" id="{229E61A2-EB9D-B406-2FF7-CDE16F087D3A}"/>
               </a:ext>
             </a:extLst>
           </p:cNvPr>
@@ -2003,7 +2003,7 @@
           <a:bodyPr/>
           <a:lstStyle/>
           <a:p>
-            <a:fld id="{4E3222C0-E39E-4E74-B1A0-2260F30CAB5F}" type="slidenum">
+            <a:fld id="{C39DE58F-1249-47FB-BF28-E10BB5EDA1B0}" type="slidenum">
               <a:rPr lang="zh-CN" altLang="en-US" smtClean="0"/>
               <a:t>‹#›</a:t>
             </a:fld>
@@ -2014,7 +2014,7 @@
     </p:spTree>
     <p:extLst>
       <p:ext uri="{BB962C8B-B14F-4D97-AF65-F5344CB8AC3E}">
-        <p14:creationId xmlns:p14="http://schemas.microsoft.com/office/powerpoint/2010/main" val="1032812319"/>
+        <p14:creationId xmlns:p14="http://schemas.microsoft.com/office/powerpoint/2010/main" val="1441970801"/>
       </p:ext>
     </p:extLst>
   </p:cSld>
@@ -2046,7 +2046,7 @@
           <p:cNvPr id="2" name="日期占位符 1">
             <a:extLst>
               <a:ext uri="{FF2B5EF4-FFF2-40B4-BE49-F238E27FC236}">
-                <a16:creationId xmlns:a16="http://schemas.microsoft.com/office/drawing/2014/main" id="{4E77E923-F9BA-A141-4ABB-B57646E0829E}"/>
+                <a16:creationId xmlns:a16="http://schemas.microsoft.com/office/drawing/2014/main" id="{86B08E7D-3F65-F8B1-C51E-1109FA97D900}"/>
               </a:ext>
             </a:extLst>
           </p:cNvPr>
@@ -2062,7 +2062,7 @@
           <a:bodyPr/>
           <a:lstStyle/>
           <a:p>
-            <a:fld id="{7C0164BB-2DF0-4AB8-94E2-4D7039C046E9}" type="datetimeFigureOut">
+            <a:fld id="{D5216A85-1F7A-4C57-8BBD-C291E83837CE}" type="datetimeFigureOut">
               <a:rPr lang="zh-CN" altLang="en-US" smtClean="0"/>
               <a:t>2024/3/10</a:t>
             </a:fld>
@@ -2075,7 +2075,7 @@
           <p:cNvPr id="3" name="页脚占位符 2">
             <a:extLst>
               <a:ext uri="{FF2B5EF4-FFF2-40B4-BE49-F238E27FC236}">
-                <a16:creationId xmlns:a16="http://schemas.microsoft.com/office/drawing/2014/main" id="{7A187F28-1B75-D2E2-B45D-3ADDD4E37BD9}"/>
+                <a16:creationId xmlns:a16="http://schemas.microsoft.com/office/drawing/2014/main" id="{B529D435-11F6-1524-4BB8-99392304BA0E}"/>
               </a:ext>
             </a:extLst>
           </p:cNvPr>
@@ -2100,7 +2100,7 @@
           <p:cNvPr id="4" name="灯片编号占位符 3">
             <a:extLst>
               <a:ext uri="{FF2B5EF4-FFF2-40B4-BE49-F238E27FC236}">
-                <a16:creationId xmlns:a16="http://schemas.microsoft.com/office/drawing/2014/main" id="{202E1A48-8838-EC0D-0E17-250B089A67AA}"/>
+                <a16:creationId xmlns:a16="http://schemas.microsoft.com/office/drawing/2014/main" id="{6A632217-F54B-7EB5-10DA-1E817FCB53CE}"/>
               </a:ext>
             </a:extLst>
           </p:cNvPr>
@@ -2116,7 +2116,7 @@
           <a:bodyPr/>
           <a:lstStyle/>
           <a:p>
-            <a:fld id="{4E3222C0-E39E-4E74-B1A0-2260F30CAB5F}" type="slidenum">
+            <a:fld id="{C39DE58F-1249-47FB-BF28-E10BB5EDA1B0}" type="slidenum">
               <a:rPr lang="zh-CN" altLang="en-US" smtClean="0"/>
               <a:t>‹#›</a:t>
             </a:fld>
@@ -2127,7 +2127,7 @@
     </p:spTree>
     <p:extLst>
       <p:ext uri="{BB962C8B-B14F-4D97-AF65-F5344CB8AC3E}">
-        <p14:creationId xmlns:p14="http://schemas.microsoft.com/office/powerpoint/2010/main" val="2651269411"/>
+        <p14:creationId xmlns:p14="http://schemas.microsoft.com/office/powerpoint/2010/main" val="1666638757"/>
       </p:ext>
     </p:extLst>
   </p:cSld>
@@ -2159,7 +2159,7 @@
           <p:cNvPr id="2" name="标题 1">
             <a:extLst>
               <a:ext uri="{FF2B5EF4-FFF2-40B4-BE49-F238E27FC236}">
-                <a16:creationId xmlns:a16="http://schemas.microsoft.com/office/drawing/2014/main" id="{ACE08D4F-9097-39E9-4006-0DD6CC498C8C}"/>
+                <a16:creationId xmlns:a16="http://schemas.microsoft.com/office/drawing/2014/main" id="{5F2F82E0-3B21-82C1-05BB-9CA283D83C04}"/>
               </a:ext>
             </a:extLst>
           </p:cNvPr>
@@ -2196,7 +2196,7 @@
           <p:cNvPr id="3" name="内容占位符 2">
             <a:extLst>
               <a:ext uri="{FF2B5EF4-FFF2-40B4-BE49-F238E27FC236}">
-                <a16:creationId xmlns:a16="http://schemas.microsoft.com/office/drawing/2014/main" id="{68F8B85E-270C-66A8-B56A-5691A5500B9B}"/>
+                <a16:creationId xmlns:a16="http://schemas.microsoft.com/office/drawing/2014/main" id="{96E532CA-6B60-49CE-116E-4B90D2FF9D5D}"/>
               </a:ext>
             </a:extLst>
           </p:cNvPr>
@@ -2286,7 +2286,7 @@
           <p:cNvPr id="4" name="文本占位符 3">
             <a:extLst>
               <a:ext uri="{FF2B5EF4-FFF2-40B4-BE49-F238E27FC236}">
-                <a16:creationId xmlns:a16="http://schemas.microsoft.com/office/drawing/2014/main" id="{CD204694-854F-2768-DDDE-6E526EEB2337}"/>
+                <a16:creationId xmlns:a16="http://schemas.microsoft.com/office/drawing/2014/main" id="{E2744964-F354-A2BE-3375-21B9396F4D1E}"/>
               </a:ext>
             </a:extLst>
           </p:cNvPr>
@@ -2357,7 +2357,7 @@
           <p:cNvPr id="5" name="日期占位符 4">
             <a:extLst>
               <a:ext uri="{FF2B5EF4-FFF2-40B4-BE49-F238E27FC236}">
-                <a16:creationId xmlns:a16="http://schemas.microsoft.com/office/drawing/2014/main" id="{47F0A632-08D8-E50C-EB6D-DB1AAE26E7E3}"/>
+                <a16:creationId xmlns:a16="http://schemas.microsoft.com/office/drawing/2014/main" id="{142C3A08-87C9-ADFA-5EBE-1B2AB34345F4}"/>
               </a:ext>
             </a:extLst>
           </p:cNvPr>
@@ -2373,7 +2373,7 @@
           <a:bodyPr/>
           <a:lstStyle/>
           <a:p>
-            <a:fld id="{7C0164BB-2DF0-4AB8-94E2-4D7039C046E9}" type="datetimeFigureOut">
+            <a:fld id="{D5216A85-1F7A-4C57-8BBD-C291E83837CE}" type="datetimeFigureOut">
               <a:rPr lang="zh-CN" altLang="en-US" smtClean="0"/>
               <a:t>2024/3/10</a:t>
             </a:fld>
@@ -2386,7 +2386,7 @@
           <p:cNvPr id="6" name="页脚占位符 5">
             <a:extLst>
               <a:ext uri="{FF2B5EF4-FFF2-40B4-BE49-F238E27FC236}">
-                <a16:creationId xmlns:a16="http://schemas.microsoft.com/office/drawing/2014/main" id="{37094BC1-D51B-CDF8-0640-116301971D4E}"/>
+                <a16:creationId xmlns:a16="http://schemas.microsoft.com/office/drawing/2014/main" id="{48CD0C34-CBD0-5AF5-9B59-A96688D9432F}"/>
               </a:ext>
             </a:extLst>
           </p:cNvPr>
@@ -2411,7 +2411,7 @@
           <p:cNvPr id="7" name="灯片编号占位符 6">
             <a:extLst>
               <a:ext uri="{FF2B5EF4-FFF2-40B4-BE49-F238E27FC236}">
-                <a16:creationId xmlns:a16="http://schemas.microsoft.com/office/drawing/2014/main" id="{9CCD0F8F-5A0D-2694-4738-4F2C5157655A}"/>
+                <a16:creationId xmlns:a16="http://schemas.microsoft.com/office/drawing/2014/main" id="{84A2A0BB-8481-31EF-0EC0-F3ED8CF9EC2D}"/>
               </a:ext>
             </a:extLst>
           </p:cNvPr>
@@ -2427,7 +2427,7 @@
           <a:bodyPr/>
           <a:lstStyle/>
           <a:p>
-            <a:fld id="{4E3222C0-E39E-4E74-B1A0-2260F30CAB5F}" type="slidenum">
+            <a:fld id="{C39DE58F-1249-47FB-BF28-E10BB5EDA1B0}" type="slidenum">
               <a:rPr lang="zh-CN" altLang="en-US" smtClean="0"/>
               <a:t>‹#›</a:t>
             </a:fld>
@@ -2438,7 +2438,7 @@
     </p:spTree>
     <p:extLst>
       <p:ext uri="{BB962C8B-B14F-4D97-AF65-F5344CB8AC3E}">
-        <p14:creationId xmlns:p14="http://schemas.microsoft.com/office/powerpoint/2010/main" val="3389272977"/>
+        <p14:creationId xmlns:p14="http://schemas.microsoft.com/office/powerpoint/2010/main" val="2296388885"/>
       </p:ext>
     </p:extLst>
   </p:cSld>
@@ -2470,7 +2470,7 @@
           <p:cNvPr id="2" name="标题 1">
             <a:extLst>
               <a:ext uri="{FF2B5EF4-FFF2-40B4-BE49-F238E27FC236}">
-                <a16:creationId xmlns:a16="http://schemas.microsoft.com/office/drawing/2014/main" id="{B471F1C4-0472-43BA-CEEC-70F91F1E29DC}"/>
+                <a16:creationId xmlns:a16="http://schemas.microsoft.com/office/drawing/2014/main" id="{EEAE8016-DA81-5CE3-5321-518CE8FB024D}"/>
               </a:ext>
             </a:extLst>
           </p:cNvPr>
@@ -2507,7 +2507,7 @@
           <p:cNvPr id="3" name="图片占位符 2">
             <a:extLst>
               <a:ext uri="{FF2B5EF4-FFF2-40B4-BE49-F238E27FC236}">
-                <a16:creationId xmlns:a16="http://schemas.microsoft.com/office/drawing/2014/main" id="{3B27E095-E761-AA27-76A7-F0971D450390}"/>
+                <a16:creationId xmlns:a16="http://schemas.microsoft.com/office/drawing/2014/main" id="{4B700966-8F69-2B67-1938-A23D8197F76E}"/>
               </a:ext>
             </a:extLst>
           </p:cNvPr>
@@ -2574,7 +2574,7 @@
           <p:cNvPr id="4" name="文本占位符 3">
             <a:extLst>
               <a:ext uri="{FF2B5EF4-FFF2-40B4-BE49-F238E27FC236}">
-                <a16:creationId xmlns:a16="http://schemas.microsoft.com/office/drawing/2014/main" id="{F2D5CFF8-AE8B-42E2-925C-B9890B89D607}"/>
+                <a16:creationId xmlns:a16="http://schemas.microsoft.com/office/drawing/2014/main" id="{638103EE-A825-8AC8-E648-B1751F3D651E}"/>
               </a:ext>
             </a:extLst>
           </p:cNvPr>
@@ -2645,7 +2645,7 @@
           <p:cNvPr id="5" name="日期占位符 4">
             <a:extLst>
               <a:ext uri="{FF2B5EF4-FFF2-40B4-BE49-F238E27FC236}">
-                <a16:creationId xmlns:a16="http://schemas.microsoft.com/office/drawing/2014/main" id="{FDFA7E6B-25A1-4E77-2F6D-5CF963EF4D18}"/>
+                <a16:creationId xmlns:a16="http://schemas.microsoft.com/office/drawing/2014/main" id="{E6DF7865-3438-BADF-8B6C-AC9805FA7EC3}"/>
               </a:ext>
             </a:extLst>
           </p:cNvPr>
@@ -2661,7 +2661,7 @@
           <a:bodyPr/>
           <a:lstStyle/>
           <a:p>
-            <a:fld id="{7C0164BB-2DF0-4AB8-94E2-4D7039C046E9}" type="datetimeFigureOut">
+            <a:fld id="{D5216A85-1F7A-4C57-8BBD-C291E83837CE}" type="datetimeFigureOut">
               <a:rPr lang="zh-CN" altLang="en-US" smtClean="0"/>
               <a:t>2024/3/10</a:t>
             </a:fld>
@@ -2674,7 +2674,7 @@
           <p:cNvPr id="6" name="页脚占位符 5">
             <a:extLst>
               <a:ext uri="{FF2B5EF4-FFF2-40B4-BE49-F238E27FC236}">
-                <a16:creationId xmlns:a16="http://schemas.microsoft.com/office/drawing/2014/main" id="{ABD6995D-5B82-F04E-B828-EB97B8710005}"/>
+                <a16:creationId xmlns:a16="http://schemas.microsoft.com/office/drawing/2014/main" id="{87ECACEC-1623-ED61-B6E6-78A5EF359E27}"/>
               </a:ext>
             </a:extLst>
           </p:cNvPr>
@@ -2699,7 +2699,7 @@
           <p:cNvPr id="7" name="灯片编号占位符 6">
             <a:extLst>
               <a:ext uri="{FF2B5EF4-FFF2-40B4-BE49-F238E27FC236}">
-                <a16:creationId xmlns:a16="http://schemas.microsoft.com/office/drawing/2014/main" id="{D64FFB11-0C0F-DD94-6308-8717AD1FF3EE}"/>
+                <a16:creationId xmlns:a16="http://schemas.microsoft.com/office/drawing/2014/main" id="{165DF02E-8AA7-9B97-5316-A2F371536123}"/>
               </a:ext>
             </a:extLst>
           </p:cNvPr>
@@ -2715,7 +2715,7 @@
           <a:bodyPr/>
           <a:lstStyle/>
           <a:p>
-            <a:fld id="{4E3222C0-E39E-4E74-B1A0-2260F30CAB5F}" type="slidenum">
+            <a:fld id="{C39DE58F-1249-47FB-BF28-E10BB5EDA1B0}" type="slidenum">
               <a:rPr lang="zh-CN" altLang="en-US" smtClean="0"/>
               <a:t>‹#›</a:t>
             </a:fld>
@@ -2726,7 +2726,7 @@
     </p:spTree>
     <p:extLst>
       <p:ext uri="{BB962C8B-B14F-4D97-AF65-F5344CB8AC3E}">
-        <p14:creationId xmlns:p14="http://schemas.microsoft.com/office/powerpoint/2010/main" val="2865188759"/>
+        <p14:creationId xmlns:p14="http://schemas.microsoft.com/office/powerpoint/2010/main" val="3082594901"/>
       </p:ext>
     </p:extLst>
   </p:cSld>
@@ -2763,7 +2763,7 @@
           <p:cNvPr id="2" name="标题占位符 1">
             <a:extLst>
               <a:ext uri="{FF2B5EF4-FFF2-40B4-BE49-F238E27FC236}">
-                <a16:creationId xmlns:a16="http://schemas.microsoft.com/office/drawing/2014/main" id="{AAAE1222-FCB6-0BB3-DAAD-9ABA42A00769}"/>
+                <a16:creationId xmlns:a16="http://schemas.microsoft.com/office/drawing/2014/main" id="{0ED6537F-AF8B-5510-0182-3DADF366CB89}"/>
               </a:ext>
             </a:extLst>
           </p:cNvPr>
@@ -2801,7 +2801,7 @@
           <p:cNvPr id="3" name="文本占位符 2">
             <a:extLst>
               <a:ext uri="{FF2B5EF4-FFF2-40B4-BE49-F238E27FC236}">
-                <a16:creationId xmlns:a16="http://schemas.microsoft.com/office/drawing/2014/main" id="{552D2D43-324B-ABD1-CD55-09713626A005}"/>
+                <a16:creationId xmlns:a16="http://schemas.microsoft.com/office/drawing/2014/main" id="{FCE738EE-56E7-4CC9-54F1-AFDC06505BA6}"/>
               </a:ext>
             </a:extLst>
           </p:cNvPr>
@@ -2868,7 +2868,7 @@
           <p:cNvPr id="4" name="日期占位符 3">
             <a:extLst>
               <a:ext uri="{FF2B5EF4-FFF2-40B4-BE49-F238E27FC236}">
-                <a16:creationId xmlns:a16="http://schemas.microsoft.com/office/drawing/2014/main" id="{4CA2DAA5-9F7B-9445-2E43-2076B0B46966}"/>
+                <a16:creationId xmlns:a16="http://schemas.microsoft.com/office/drawing/2014/main" id="{16BA77FF-D7FC-8726-DF32-CD1659697368}"/>
               </a:ext>
             </a:extLst>
           </p:cNvPr>
@@ -2902,7 +2902,7 @@
             </a:lvl1pPr>
           </a:lstStyle>
           <a:p>
-            <a:fld id="{7C0164BB-2DF0-4AB8-94E2-4D7039C046E9}" type="datetimeFigureOut">
+            <a:fld id="{D5216A85-1F7A-4C57-8BBD-C291E83837CE}" type="datetimeFigureOut">
               <a:rPr lang="zh-CN" altLang="en-US" smtClean="0"/>
               <a:t>2024/3/10</a:t>
             </a:fld>
@@ -2915,7 +2915,7 @@
           <p:cNvPr id="5" name="页脚占位符 4">
             <a:extLst>
               <a:ext uri="{FF2B5EF4-FFF2-40B4-BE49-F238E27FC236}">
-                <a16:creationId xmlns:a16="http://schemas.microsoft.com/office/drawing/2014/main" id="{EA342A48-3488-BF75-59D5-9369C0B1845F}"/>
+                <a16:creationId xmlns:a16="http://schemas.microsoft.com/office/drawing/2014/main" id="{E8DF5316-3ADB-C6DF-2360-D74B6252FE61}"/>
               </a:ext>
             </a:extLst>
           </p:cNvPr>
@@ -2958,7 +2958,7 @@
           <p:cNvPr id="6" name="灯片编号占位符 5">
             <a:extLst>
               <a:ext uri="{FF2B5EF4-FFF2-40B4-BE49-F238E27FC236}">
-                <a16:creationId xmlns:a16="http://schemas.microsoft.com/office/drawing/2014/main" id="{457FD07C-0AC1-FEB9-7AA2-B7FD14F0A0DD}"/>
+                <a16:creationId xmlns:a16="http://schemas.microsoft.com/office/drawing/2014/main" id="{C4E6D61C-93A1-A79A-4FD7-371053F020E7}"/>
               </a:ext>
             </a:extLst>
           </p:cNvPr>
@@ -2992,7 +2992,7 @@
             </a:lvl1pPr>
           </a:lstStyle>
           <a:p>
-            <a:fld id="{4E3222C0-E39E-4E74-B1A0-2260F30CAB5F}" type="slidenum">
+            <a:fld id="{C39DE58F-1249-47FB-BF28-E10BB5EDA1B0}" type="slidenum">
               <a:rPr lang="zh-CN" altLang="en-US" smtClean="0"/>
               <a:t>‹#›</a:t>
             </a:fld>
@@ -3003,7 +3003,7 @@
     </p:spTree>
     <p:extLst>
       <p:ext uri="{BB962C8B-B14F-4D97-AF65-F5344CB8AC3E}">
-        <p14:creationId xmlns:p14="http://schemas.microsoft.com/office/powerpoint/2010/main" val="2548204020"/>
+        <p14:creationId xmlns:p14="http://schemas.microsoft.com/office/powerpoint/2010/main" val="1218354300"/>
       </p:ext>
     </p:extLst>
   </p:cSld>
